--- a/02_Präsentation_Interface/Motor_disability.pptx
+++ b/02_Präsentation_Interface/Motor_disability.pptx
@@ -116,7 +116,80 @@
       </a:defRPr>
     </a:lvl9pPr>
   </p:defaultTextStyle>
+  <p:extLst>
+    <p:ext uri="{EFAFB233-063F-42B5-8137-9DF3F51BA10A}">
+      <p15:sldGuideLst xmlns:p15="http://schemas.microsoft.com/office/powerpoint/2012/main"/>
+    </p:ext>
+  </p:extLst>
 </p:presentation>
+</file>
+
+<file path=ppt/changesInfos/changesInfo1.xml><?xml version="1.0" encoding="utf-8"?>
+<pc:chgInfo xmlns:a="http://schemas.openxmlformats.org/drawingml/2006/main" xmlns:r="http://schemas.openxmlformats.org/officeDocument/2006/relationships" xmlns:ac="http://schemas.microsoft.com/office/drawing/2013/main/command" xmlns:pc="http://schemas.microsoft.com/office/powerpoint/2013/main/command">
+  <pc:docChgLst>
+    <pc:chgData name="Thomas Sapelza" userId="be24b667ea2bebba" providerId="LiveId" clId="{60E46134-AF66-4F30-B126-8ADD2A30DB14}"/>
+    <pc:docChg chg="modSld">
+      <pc:chgData name="Thomas Sapelza" userId="be24b667ea2bebba" providerId="LiveId" clId="{60E46134-AF66-4F30-B126-8ADD2A30DB14}" dt="2017-10-11T10:41:43.230" v="63" actId="1076"/>
+      <pc:docMkLst>
+        <pc:docMk/>
+      </pc:docMkLst>
+      <pc:sldChg chg="addSp modSp">
+        <pc:chgData name="Thomas Sapelza" userId="be24b667ea2bebba" providerId="LiveId" clId="{60E46134-AF66-4F30-B126-8ADD2A30DB14}" dt="2017-10-11T10:41:43.230" v="63" actId="1076"/>
+        <pc:sldMkLst>
+          <pc:docMk/>
+          <pc:sldMk cId="1555053208" sldId="257"/>
+        </pc:sldMkLst>
+        <pc:spChg chg="add mod">
+          <ac:chgData name="Thomas Sapelza" userId="be24b667ea2bebba" providerId="LiveId" clId="{60E46134-AF66-4F30-B126-8ADD2A30DB14}" dt="2017-10-11T10:41:40.933" v="62" actId="1076"/>
+          <ac:spMkLst>
+            <pc:docMk/>
+            <pc:sldMk cId="1555053208" sldId="257"/>
+            <ac:spMk id="4" creationId="{B8DF202F-175B-4B7F-A13C-4E92A4316E85}"/>
+          </ac:spMkLst>
+        </pc:spChg>
+        <pc:picChg chg="add mod">
+          <ac:chgData name="Thomas Sapelza" userId="be24b667ea2bebba" providerId="LiveId" clId="{60E46134-AF66-4F30-B126-8ADD2A30DB14}" dt="2017-10-11T10:41:43.230" v="63" actId="1076"/>
+          <ac:picMkLst>
+            <pc:docMk/>
+            <pc:sldMk cId="1555053208" sldId="257"/>
+            <ac:picMk id="1026" creationId="{81C506FB-6039-415C-BBA2-7518657C3B31}"/>
+          </ac:picMkLst>
+        </pc:picChg>
+      </pc:sldChg>
+      <pc:sldChg chg="modSp">
+        <pc:chgData name="Thomas Sapelza" userId="be24b667ea2bebba" providerId="LiveId" clId="{60E46134-AF66-4F30-B126-8ADD2A30DB14}" dt="2017-10-11T10:39:25.882" v="35" actId="1076"/>
+        <pc:sldMkLst>
+          <pc:docMk/>
+          <pc:sldMk cId="3489232716" sldId="265"/>
+        </pc:sldMkLst>
+        <pc:spChg chg="mod">
+          <ac:chgData name="Thomas Sapelza" userId="be24b667ea2bebba" providerId="LiveId" clId="{60E46134-AF66-4F30-B126-8ADD2A30DB14}" dt="2017-10-11T10:39:25.882" v="35" actId="1076"/>
+          <ac:spMkLst>
+            <pc:docMk/>
+            <pc:sldMk cId="3489232716" sldId="265"/>
+            <ac:spMk id="2" creationId="{00000000-0000-0000-0000-000000000000}"/>
+          </ac:spMkLst>
+        </pc:spChg>
+        <pc:spChg chg="mod">
+          <ac:chgData name="Thomas Sapelza" userId="be24b667ea2bebba" providerId="LiveId" clId="{60E46134-AF66-4F30-B126-8ADD2A30DB14}" dt="2017-10-11T10:39:18.031" v="33" actId="1076"/>
+          <ac:spMkLst>
+            <pc:docMk/>
+            <pc:sldMk cId="3489232716" sldId="265"/>
+            <ac:spMk id="4" creationId="{00000000-0000-0000-0000-000000000000}"/>
+          </ac:spMkLst>
+        </pc:spChg>
+        <pc:picChg chg="mod">
+          <ac:chgData name="Thomas Sapelza" userId="be24b667ea2bebba" providerId="LiveId" clId="{60E46134-AF66-4F30-B126-8ADD2A30DB14}" dt="2017-10-11T10:39:20.374" v="34" actId="1076"/>
+          <ac:picMkLst>
+            <pc:docMk/>
+            <pc:sldMk cId="3489232716" sldId="265"/>
+            <ac:picMk id="7170" creationId="{00000000-0000-0000-0000-000000000000}"/>
+          </ac:picMkLst>
+        </pc:picChg>
+      </pc:sldChg>
+    </pc:docChg>
+  </pc:docChgLst>
+</pc:chgInfo>
 </file>
 
 <file path=ppt/notesMasters/notesMaster1.xml><?xml version="1.0" encoding="utf-8"?>
@@ -265,38 +338,37 @@
           <a:p>
             <a:pPr lvl="0"/>
             <a:r>
-              <a:rPr lang="de-DE" smtClean="0"/>
+              <a:rPr lang="de-DE"/>
               <a:t>Formatvorlagen des Textmasters bearbeiten</a:t>
             </a:r>
           </a:p>
           <a:p>
             <a:pPr lvl="1"/>
             <a:r>
-              <a:rPr lang="de-DE" smtClean="0"/>
+              <a:rPr lang="de-DE"/>
               <a:t>Zweite Ebene</a:t>
             </a:r>
           </a:p>
           <a:p>
             <a:pPr lvl="2"/>
             <a:r>
-              <a:rPr lang="de-DE" smtClean="0"/>
+              <a:rPr lang="de-DE"/>
               <a:t>Dritte Ebene</a:t>
             </a:r>
           </a:p>
           <a:p>
             <a:pPr lvl="3"/>
             <a:r>
-              <a:rPr lang="de-DE" smtClean="0"/>
+              <a:rPr lang="de-DE"/>
               <a:t>Vierte Ebene</a:t>
             </a:r>
           </a:p>
           <a:p>
             <a:pPr lvl="4"/>
             <a:r>
-              <a:rPr lang="de-DE" smtClean="0"/>
+              <a:rPr lang="de-DE"/>
               <a:t>Fünfte Ebene</a:t>
             </a:r>
-            <a:endParaRPr lang="de-DE"/>
           </a:p>
         </p:txBody>
       </p:sp>
@@ -514,7 +586,7 @@
           <a:lstStyle/>
           <a:p>
             <a:r>
-              <a:rPr lang="de-DE" sz="1200" kern="1200" smtClean="0">
+              <a:rPr lang="de-DE" sz="1200" kern="1200">
                 <a:solidFill>
                   <a:schemeClr val="tx1"/>
                 </a:solidFill>
@@ -610,7 +682,7 @@
           <a:lstStyle/>
           <a:p>
             <a:r>
-              <a:rPr lang="de-DE" sz="1200" b="1" kern="1200" dirty="0" smtClean="0">
+              <a:rPr lang="de-DE" sz="1200" b="1" kern="1200" dirty="0">
                 <a:solidFill>
                   <a:schemeClr val="tx1"/>
                 </a:solidFill>
@@ -621,7 +693,7 @@
               </a:rPr>
               <a:t>Personen die mit den Händen zittern:</a:t>
             </a:r>
-            <a:endParaRPr lang="de-DE" sz="1200" kern="1200" dirty="0" smtClean="0">
+            <a:endParaRPr lang="de-DE" sz="1200" kern="1200" dirty="0">
               <a:solidFill>
                 <a:schemeClr val="tx1"/>
               </a:solidFill>
@@ -634,7 +706,7 @@
           <a:p>
             <a:pPr lvl="0"/>
             <a:r>
-              <a:rPr lang="de-DE" sz="1200" kern="1200" dirty="0" smtClean="0">
+              <a:rPr lang="de-DE" sz="1200" kern="1200" dirty="0">
                 <a:solidFill>
                   <a:schemeClr val="tx1"/>
                 </a:solidFill>
@@ -649,7 +721,7 @@
           <a:p>
             <a:pPr lvl="0"/>
             <a:r>
-              <a:rPr lang="de-DE" sz="1200" kern="1200" dirty="0" smtClean="0">
+              <a:rPr lang="de-DE" sz="1200" kern="1200" dirty="0">
                 <a:solidFill>
                   <a:schemeClr val="tx1"/>
                 </a:solidFill>
@@ -664,7 +736,7 @@
           <a:p>
             <a:pPr lvl="0"/>
             <a:r>
-              <a:rPr lang="de-DE" sz="1200" kern="1200" dirty="0" smtClean="0">
+              <a:rPr lang="de-DE" sz="1200" kern="1200" dirty="0">
                 <a:solidFill>
                   <a:schemeClr val="tx1"/>
                 </a:solidFill>
@@ -679,7 +751,7 @@
           <a:p>
             <a:pPr lvl="0"/>
             <a:r>
-              <a:rPr lang="de-DE" sz="1200" kern="1200" dirty="0" smtClean="0">
+              <a:rPr lang="de-DE" sz="1200" kern="1200" dirty="0">
                 <a:solidFill>
                   <a:schemeClr val="tx1"/>
                 </a:solidFill>
@@ -694,7 +766,7 @@
           <a:p>
             <a:pPr lvl="1"/>
             <a:r>
-              <a:rPr lang="de-DE" sz="1200" kern="1200" dirty="0" smtClean="0">
+              <a:rPr lang="de-DE" sz="1200" kern="1200" dirty="0">
                 <a:solidFill>
                   <a:schemeClr val="tx1"/>
                 </a:solidFill>
@@ -709,7 +781,7 @@
           <a:p>
             <a:pPr lvl="1"/>
             <a:r>
-              <a:rPr lang="de-DE" sz="1200" kern="1200" dirty="0" smtClean="0">
+              <a:rPr lang="de-DE" sz="1200" kern="1200" dirty="0">
                 <a:solidFill>
                   <a:schemeClr val="tx1"/>
                 </a:solidFill>
@@ -808,7 +880,7 @@
           <a:p>
             <a:pPr lvl="0"/>
             <a:r>
-              <a:rPr lang="de-DE" sz="1200" kern="1200" dirty="0" smtClean="0">
+              <a:rPr lang="de-DE" sz="1200" kern="1200" dirty="0">
                 <a:solidFill>
                   <a:schemeClr val="tx1"/>
                 </a:solidFill>
@@ -823,7 +895,7 @@
           <a:p>
             <a:pPr lvl="1"/>
             <a:r>
-              <a:rPr lang="de-DE" sz="1200" kern="1200" dirty="0" smtClean="0">
+              <a:rPr lang="de-DE" sz="1200" kern="1200" dirty="0">
                 <a:solidFill>
                   <a:schemeClr val="tx1"/>
                 </a:solidFill>
@@ -838,7 +910,7 @@
           <a:p>
             <a:pPr lvl="2"/>
             <a:r>
-              <a:rPr lang="de-DE" sz="1200" kern="1200" dirty="0" smtClean="0">
+              <a:rPr lang="de-DE" sz="1200" kern="1200" dirty="0">
                 <a:solidFill>
                   <a:schemeClr val="tx1"/>
                 </a:solidFill>
@@ -853,7 +925,7 @@
           <a:p>
             <a:pPr lvl="2"/>
             <a:r>
-              <a:rPr lang="de-DE" sz="1200" kern="1200" dirty="0" smtClean="0">
+              <a:rPr lang="de-DE" sz="1200" kern="1200" dirty="0">
                 <a:solidFill>
                   <a:schemeClr val="tx1"/>
                 </a:solidFill>
@@ -868,7 +940,7 @@
           <a:p>
             <a:pPr lvl="2"/>
             <a:r>
-              <a:rPr lang="de-DE" sz="1200" kern="1200" dirty="0" smtClean="0">
+              <a:rPr lang="de-DE" sz="1200" kern="1200" dirty="0">
                 <a:solidFill>
                   <a:schemeClr val="tx1"/>
                 </a:solidFill>
@@ -967,7 +1039,7 @@
           <a:p>
             <a:pPr lvl="0"/>
             <a:r>
-              <a:rPr lang="de-DE" sz="1200" kern="1200" dirty="0" smtClean="0">
+              <a:rPr lang="de-DE" sz="1200" kern="1200" dirty="0">
                 <a:solidFill>
                   <a:schemeClr val="tx1"/>
                 </a:solidFill>
@@ -982,7 +1054,7 @@
           <a:p>
             <a:pPr lvl="1"/>
             <a:r>
-              <a:rPr lang="de-DE" sz="1200" kern="1200" dirty="0" smtClean="0">
+              <a:rPr lang="de-DE" sz="1200" kern="1200" dirty="0">
                 <a:solidFill>
                   <a:schemeClr val="tx1"/>
                 </a:solidFill>
@@ -997,7 +1069,7 @@
           <a:p>
             <a:pPr lvl="1"/>
             <a:r>
-              <a:rPr lang="de-DE" sz="1200" kern="1200" dirty="0" smtClean="0">
+              <a:rPr lang="de-DE" sz="1200" kern="1200" dirty="0">
                 <a:solidFill>
                   <a:schemeClr val="tx1"/>
                 </a:solidFill>
@@ -1009,7 +1081,7 @@
               <a:t>Tasten(</a:t>
             </a:r>
             <a:r>
-              <a:rPr lang="de-DE" sz="1200" kern="1200" dirty="0" err="1" smtClean="0">
+              <a:rPr lang="de-DE" sz="1200" kern="1200" dirty="0" err="1">
                 <a:solidFill>
                   <a:schemeClr val="tx1"/>
                 </a:solidFill>
@@ -1021,7 +1093,7 @@
               <a:t>schläge</a:t>
             </a:r>
             <a:r>
-              <a:rPr lang="de-DE" sz="1200" kern="1200" dirty="0" smtClean="0">
+              <a:rPr lang="de-DE" sz="1200" kern="1200" dirty="0">
                 <a:solidFill>
                   <a:schemeClr val="tx1"/>
                 </a:solidFill>
@@ -1036,7 +1108,7 @@
           <a:p>
             <a:pPr lvl="2"/>
             <a:r>
-              <a:rPr lang="de-DE" sz="1200" kern="1200" dirty="0" smtClean="0">
+              <a:rPr lang="de-DE" sz="1200" kern="1200" dirty="0">
                 <a:solidFill>
                   <a:schemeClr val="tx1"/>
                 </a:solidFill>
@@ -1051,7 +1123,7 @@
           <a:p>
             <a:pPr lvl="3"/>
             <a:r>
-              <a:rPr lang="de-DE" sz="1200" kern="1200" dirty="0" smtClean="0">
+              <a:rPr lang="de-DE" sz="1200" kern="1200" dirty="0">
                 <a:solidFill>
                   <a:schemeClr val="tx1"/>
                 </a:solidFill>
@@ -1066,7 +1138,7 @@
           <a:p>
             <a:pPr lvl="4"/>
             <a:r>
-              <a:rPr lang="de-DE" sz="1200" kern="1200" dirty="0" smtClean="0">
+              <a:rPr lang="de-DE" sz="1200" kern="1200" dirty="0">
                 <a:solidFill>
                   <a:schemeClr val="tx1"/>
                 </a:solidFill>
@@ -1081,7 +1153,7 @@
           <a:p>
             <a:pPr lvl="2"/>
             <a:r>
-              <a:rPr lang="de-DE" sz="1200" kern="1200" dirty="0" smtClean="0">
+              <a:rPr lang="de-DE" sz="1200" kern="1200" dirty="0">
                 <a:solidFill>
                   <a:schemeClr val="tx1"/>
                 </a:solidFill>
@@ -1096,7 +1168,7 @@
           <a:p>
             <a:pPr lvl="3"/>
             <a:r>
-              <a:rPr lang="de-DE" sz="1200" kern="1200" dirty="0" smtClean="0">
+              <a:rPr lang="de-DE" sz="1200" kern="1200" dirty="0">
                 <a:solidFill>
                   <a:schemeClr val="tx1"/>
                 </a:solidFill>
@@ -1111,7 +1183,7 @@
           <a:p>
             <a:pPr lvl="2"/>
             <a:r>
-              <a:rPr lang="de-DE" sz="1200" kern="1200" dirty="0" smtClean="0">
+              <a:rPr lang="de-DE" sz="1200" kern="1200" dirty="0">
                 <a:solidFill>
                   <a:schemeClr val="tx1"/>
                 </a:solidFill>
@@ -1210,7 +1282,7 @@
           <a:p>
             <a:pPr lvl="0"/>
             <a:r>
-              <a:rPr lang="de-DE" sz="1200" kern="1200" dirty="0" smtClean="0">
+              <a:rPr lang="de-DE" sz="1200" kern="1200" dirty="0">
                 <a:solidFill>
                   <a:schemeClr val="tx1"/>
                 </a:solidFill>
@@ -1225,7 +1297,7 @@
           <a:p>
             <a:pPr lvl="1"/>
             <a:r>
-              <a:rPr lang="de-DE" sz="1200" kern="1200" dirty="0" smtClean="0">
+              <a:rPr lang="de-DE" sz="1200" kern="1200" dirty="0">
                 <a:solidFill>
                   <a:schemeClr val="tx1"/>
                 </a:solidFill>
@@ -1240,7 +1312,7 @@
           <a:p>
             <a:pPr lvl="1"/>
             <a:r>
-              <a:rPr lang="de-DE" sz="1200" kern="1200" dirty="0" smtClean="0">
+              <a:rPr lang="de-DE" sz="1200" kern="1200" dirty="0">
                 <a:solidFill>
                   <a:schemeClr val="tx1"/>
                 </a:solidFill>
@@ -1255,7 +1327,7 @@
           <a:p>
             <a:pPr lvl="2"/>
             <a:r>
-              <a:rPr lang="de-DE" sz="1200" kern="1200" dirty="0" smtClean="0">
+              <a:rPr lang="de-DE" sz="1200" kern="1200" dirty="0">
                 <a:solidFill>
                   <a:schemeClr val="tx1"/>
                 </a:solidFill>
@@ -1270,7 +1342,7 @@
           <a:p>
             <a:pPr lvl="2"/>
             <a:r>
-              <a:rPr lang="de-DE" sz="1200" kern="1200" dirty="0" smtClean="0">
+              <a:rPr lang="de-DE" sz="1200" kern="1200" dirty="0">
                 <a:solidFill>
                   <a:schemeClr val="tx1"/>
                 </a:solidFill>
@@ -1285,7 +1357,7 @@
           <a:p>
             <a:pPr lvl="2"/>
             <a:r>
-              <a:rPr lang="de-DE" sz="1200" kern="1200" dirty="0" smtClean="0">
+              <a:rPr lang="de-DE" sz="1200" kern="1200" dirty="0">
                 <a:solidFill>
                   <a:schemeClr val="tx1"/>
                 </a:solidFill>
@@ -1380,7 +1452,7 @@
           </a:lstStyle>
           <a:p>
             <a:r>
-              <a:rPr lang="de-DE" smtClean="0"/>
+              <a:rPr lang="de-DE"/>
               <a:t>Titelmasterformat durch Klicken bearbeiten</a:t>
             </a:r>
             <a:endParaRPr lang="en-US" dirty="0"/>
@@ -1500,7 +1572,7 @@
           </a:lstStyle>
           <a:p>
             <a:r>
-              <a:rPr lang="de-DE" smtClean="0"/>
+              <a:rPr lang="de-DE"/>
               <a:t>Formatvorlage des Untertitelmasters durch Klicken bearbeiten</a:t>
             </a:r>
             <a:endParaRPr lang="en-US" dirty="0"/>
@@ -1629,7 +1701,7 @@
           </a:lstStyle>
           <a:p>
             <a:r>
-              <a:rPr lang="de-DE" smtClean="0"/>
+              <a:rPr lang="de-DE"/>
               <a:t>Titelmasterformat durch Klicken bearbeiten</a:t>
             </a:r>
             <a:endParaRPr lang="en-US" dirty="0"/>
@@ -1708,7 +1780,7 @@
           </a:lstStyle>
           <a:p>
             <a:r>
-              <a:rPr lang="de-DE" smtClean="0"/>
+              <a:rPr lang="de-DE"/>
               <a:t>Bild durch Klicken auf Symbol hinzufügen</a:t>
             </a:r>
             <a:endParaRPr lang="en-US" dirty="0"/>
@@ -1776,7 +1848,7 @@
           <a:p>
             <a:pPr lvl="0"/>
             <a:r>
-              <a:rPr lang="de-DE" smtClean="0"/>
+              <a:rPr lang="de-DE"/>
               <a:t>Formatvorlagen des Textmasters bearbeiten</a:t>
             </a:r>
           </a:p>
@@ -1902,7 +1974,7 @@
           </a:lstStyle>
           <a:p>
             <a:r>
-              <a:rPr lang="de-DE" smtClean="0"/>
+              <a:rPr lang="de-DE"/>
               <a:t>Titelmasterformat durch Klicken bearbeiten</a:t>
             </a:r>
             <a:endParaRPr lang="en-US" dirty="0"/>
@@ -1970,7 +2042,7 @@
           <a:p>
             <a:pPr lvl="0"/>
             <a:r>
-              <a:rPr lang="de-DE" smtClean="0"/>
+              <a:rPr lang="de-DE"/>
               <a:t>Formatvorlagen des Textmasters bearbeiten</a:t>
             </a:r>
           </a:p>
@@ -2096,7 +2168,7 @@
           </a:lstStyle>
           <a:p>
             <a:r>
-              <a:rPr lang="de-DE" smtClean="0"/>
+              <a:rPr lang="de-DE"/>
               <a:t>Titelmasterformat durch Klicken bearbeiten</a:t>
             </a:r>
             <a:endParaRPr lang="en-US" dirty="0"/>
@@ -2174,7 +2246,7 @@
           <a:p>
             <a:pPr lvl="0"/>
             <a:r>
-              <a:rPr lang="de-DE" smtClean="0"/>
+              <a:rPr lang="de-DE"/>
               <a:t>Formatvorlagen des Textmasters bearbeiten</a:t>
             </a:r>
           </a:p>
@@ -2241,7 +2313,7 @@
           <a:p>
             <a:pPr lvl="0"/>
             <a:r>
-              <a:rPr lang="de-DE" smtClean="0"/>
+              <a:rPr lang="de-DE"/>
               <a:t>Formatvorlagen des Textmasters bearbeiten</a:t>
             </a:r>
           </a:p>
@@ -2447,7 +2519,7 @@
           </a:lstStyle>
           <a:p>
             <a:r>
-              <a:rPr lang="de-DE" smtClean="0"/>
+              <a:rPr lang="de-DE"/>
               <a:t>Titelmasterformat durch Klicken bearbeiten</a:t>
             </a:r>
             <a:endParaRPr lang="en-US" dirty="0"/>
@@ -2568,7 +2640,7 @@
           <a:p>
             <a:pPr lvl="0"/>
             <a:r>
-              <a:rPr lang="de-DE" smtClean="0"/>
+              <a:rPr lang="de-DE"/>
               <a:t>Formatvorlagen des Textmasters bearbeiten</a:t>
             </a:r>
           </a:p>
@@ -2689,7 +2761,7 @@
           </a:lstStyle>
           <a:p>
             <a:r>
-              <a:rPr lang="de-DE" smtClean="0"/>
+              <a:rPr lang="de-DE"/>
               <a:t>Titelmasterformat durch Klicken bearbeiten</a:t>
             </a:r>
             <a:endParaRPr lang="en-US" dirty="0"/>
@@ -2764,7 +2836,7 @@
           <a:p>
             <a:pPr lvl="0"/>
             <a:r>
-              <a:rPr lang="de-DE" smtClean="0"/>
+              <a:rPr lang="de-DE"/>
               <a:t>Formatvorlagen des Textmasters bearbeiten</a:t>
             </a:r>
           </a:p>
@@ -2831,7 +2903,7 @@
           <a:p>
             <a:pPr lvl="0"/>
             <a:r>
-              <a:rPr lang="de-DE" smtClean="0"/>
+              <a:rPr lang="de-DE"/>
               <a:t>Formatvorlagen des Textmasters bearbeiten</a:t>
             </a:r>
           </a:p>
@@ -2905,7 +2977,7 @@
           <a:p>
             <a:pPr lvl="0"/>
             <a:r>
-              <a:rPr lang="de-DE" smtClean="0"/>
+              <a:rPr lang="de-DE"/>
               <a:t>Formatvorlagen des Textmasters bearbeiten</a:t>
             </a:r>
           </a:p>
@@ -2972,7 +3044,7 @@
           <a:p>
             <a:pPr lvl="0"/>
             <a:r>
-              <a:rPr lang="de-DE" smtClean="0"/>
+              <a:rPr lang="de-DE"/>
               <a:t>Formatvorlagen des Textmasters bearbeiten</a:t>
             </a:r>
           </a:p>
@@ -3046,7 +3118,7 @@
           <a:p>
             <a:pPr lvl="0"/>
             <a:r>
-              <a:rPr lang="de-DE" smtClean="0"/>
+              <a:rPr lang="de-DE"/>
               <a:t>Formatvorlagen des Textmasters bearbeiten</a:t>
             </a:r>
           </a:p>
@@ -3113,7 +3185,7 @@
           <a:p>
             <a:pPr lvl="0"/>
             <a:r>
-              <a:rPr lang="de-DE" smtClean="0"/>
+              <a:rPr lang="de-DE"/>
               <a:t>Formatvorlagen des Textmasters bearbeiten</a:t>
             </a:r>
           </a:p>
@@ -3308,7 +3380,7 @@
           </a:lstStyle>
           <a:p>
             <a:r>
-              <a:rPr lang="de-DE" smtClean="0"/>
+              <a:rPr lang="de-DE"/>
               <a:t>Titelmasterformat durch Klicken bearbeiten</a:t>
             </a:r>
             <a:endParaRPr lang="en-US" dirty="0"/>
@@ -3380,7 +3452,7 @@
           <a:p>
             <a:pPr lvl="0"/>
             <a:r>
-              <a:rPr lang="de-DE" smtClean="0"/>
+              <a:rPr lang="de-DE"/>
               <a:t>Formatvorlagen des Textmasters bearbeiten</a:t>
             </a:r>
           </a:p>
@@ -3458,7 +3530,7 @@
           </a:lstStyle>
           <a:p>
             <a:r>
-              <a:rPr lang="de-DE" smtClean="0"/>
+              <a:rPr lang="de-DE"/>
               <a:t>Bild durch Klicken auf Symbol hinzufügen</a:t>
             </a:r>
             <a:endParaRPr lang="en-US" dirty="0"/>
@@ -3526,7 +3598,7 @@
           <a:p>
             <a:pPr lvl="0"/>
             <a:r>
-              <a:rPr lang="de-DE" smtClean="0"/>
+              <a:rPr lang="de-DE"/>
               <a:t>Formatvorlagen des Textmasters bearbeiten</a:t>
             </a:r>
           </a:p>
@@ -3597,7 +3669,7 @@
           <a:p>
             <a:pPr lvl="0"/>
             <a:r>
-              <a:rPr lang="de-DE" smtClean="0"/>
+              <a:rPr lang="de-DE"/>
               <a:t>Formatvorlagen des Textmasters bearbeiten</a:t>
             </a:r>
           </a:p>
@@ -3675,7 +3747,7 @@
           </a:lstStyle>
           <a:p>
             <a:r>
-              <a:rPr lang="de-DE" smtClean="0"/>
+              <a:rPr lang="de-DE"/>
               <a:t>Bild durch Klicken auf Symbol hinzufügen</a:t>
             </a:r>
             <a:endParaRPr lang="en-US" dirty="0"/>
@@ -3743,7 +3815,7 @@
           <a:p>
             <a:pPr lvl="0"/>
             <a:r>
-              <a:rPr lang="de-DE" smtClean="0"/>
+              <a:rPr lang="de-DE"/>
               <a:t>Formatvorlagen des Textmasters bearbeiten</a:t>
             </a:r>
           </a:p>
@@ -3814,7 +3886,7 @@
           <a:p>
             <a:pPr lvl="0"/>
             <a:r>
-              <a:rPr lang="de-DE" smtClean="0"/>
+              <a:rPr lang="de-DE"/>
               <a:t>Formatvorlagen des Textmasters bearbeiten</a:t>
             </a:r>
           </a:p>
@@ -3892,7 +3964,7 @@
           </a:lstStyle>
           <a:p>
             <a:r>
-              <a:rPr lang="de-DE" smtClean="0"/>
+              <a:rPr lang="de-DE"/>
               <a:t>Bild durch Klicken auf Symbol hinzufügen</a:t>
             </a:r>
             <a:endParaRPr lang="en-US" dirty="0"/>
@@ -3960,7 +4032,7 @@
           <a:p>
             <a:pPr lvl="0"/>
             <a:r>
-              <a:rPr lang="de-DE" smtClean="0"/>
+              <a:rPr lang="de-DE"/>
               <a:t>Formatvorlagen des Textmasters bearbeiten</a:t>
             </a:r>
           </a:p>
@@ -4151,7 +4223,7 @@
           <a:lstStyle/>
           <a:p>
             <a:r>
-              <a:rPr lang="de-DE" smtClean="0"/>
+              <a:rPr lang="de-DE"/>
               <a:t>Titelmasterformat durch Klicken bearbeiten</a:t>
             </a:r>
             <a:endParaRPr lang="en-US" dirty="0"/>
@@ -4175,35 +4247,35 @@
           <a:p>
             <a:pPr lvl="0"/>
             <a:r>
-              <a:rPr lang="de-DE" smtClean="0"/>
+              <a:rPr lang="de-DE"/>
               <a:t>Formatvorlagen des Textmasters bearbeiten</a:t>
             </a:r>
           </a:p>
           <a:p>
             <a:pPr lvl="1"/>
             <a:r>
-              <a:rPr lang="de-DE" smtClean="0"/>
+              <a:rPr lang="de-DE"/>
               <a:t>Zweite Ebene</a:t>
             </a:r>
           </a:p>
           <a:p>
             <a:pPr lvl="2"/>
             <a:r>
-              <a:rPr lang="de-DE" smtClean="0"/>
+              <a:rPr lang="de-DE"/>
               <a:t>Dritte Ebene</a:t>
             </a:r>
           </a:p>
           <a:p>
             <a:pPr lvl="3"/>
             <a:r>
-              <a:rPr lang="de-DE" smtClean="0"/>
+              <a:rPr lang="de-DE"/>
               <a:t>Vierte Ebene</a:t>
             </a:r>
           </a:p>
           <a:p>
             <a:pPr lvl="4"/>
             <a:r>
-              <a:rPr lang="de-DE" smtClean="0"/>
+              <a:rPr lang="de-DE"/>
               <a:t>Fünfte Ebene</a:t>
             </a:r>
             <a:endParaRPr lang="en-US" dirty="0"/>
@@ -4326,7 +4398,7 @@
           <a:lstStyle/>
           <a:p>
             <a:r>
-              <a:rPr lang="de-DE" smtClean="0"/>
+              <a:rPr lang="de-DE"/>
               <a:t>Titelmasterformat durch Klicken bearbeiten</a:t>
             </a:r>
             <a:endParaRPr lang="en-US" dirty="0"/>
@@ -4355,35 +4427,35 @@
           <a:p>
             <a:pPr lvl="0"/>
             <a:r>
-              <a:rPr lang="de-DE" smtClean="0"/>
+              <a:rPr lang="de-DE"/>
               <a:t>Formatvorlagen des Textmasters bearbeiten</a:t>
             </a:r>
           </a:p>
           <a:p>
             <a:pPr lvl="1"/>
             <a:r>
-              <a:rPr lang="de-DE" smtClean="0"/>
+              <a:rPr lang="de-DE"/>
               <a:t>Zweite Ebene</a:t>
             </a:r>
           </a:p>
           <a:p>
             <a:pPr lvl="2"/>
             <a:r>
-              <a:rPr lang="de-DE" smtClean="0"/>
+              <a:rPr lang="de-DE"/>
               <a:t>Dritte Ebene</a:t>
             </a:r>
           </a:p>
           <a:p>
             <a:pPr lvl="3"/>
             <a:r>
-              <a:rPr lang="de-DE" smtClean="0"/>
+              <a:rPr lang="de-DE"/>
               <a:t>Vierte Ebene</a:t>
             </a:r>
           </a:p>
           <a:p>
             <a:pPr lvl="4"/>
             <a:r>
-              <a:rPr lang="de-DE" smtClean="0"/>
+              <a:rPr lang="de-DE"/>
               <a:t>Fünfte Ebene</a:t>
             </a:r>
             <a:endParaRPr lang="en-US" dirty="0"/>
@@ -4501,7 +4573,7 @@
           <a:lstStyle/>
           <a:p>
             <a:r>
-              <a:rPr lang="de-DE" smtClean="0"/>
+              <a:rPr lang="de-DE"/>
               <a:t>Titelmasterformat durch Klicken bearbeiten</a:t>
             </a:r>
             <a:endParaRPr lang="en-US" dirty="0"/>
@@ -4525,35 +4597,35 @@
           <a:p>
             <a:pPr lvl="0"/>
             <a:r>
-              <a:rPr lang="de-DE" smtClean="0"/>
+              <a:rPr lang="de-DE"/>
               <a:t>Formatvorlagen des Textmasters bearbeiten</a:t>
             </a:r>
           </a:p>
           <a:p>
             <a:pPr lvl="1"/>
             <a:r>
-              <a:rPr lang="de-DE" smtClean="0"/>
+              <a:rPr lang="de-DE"/>
               <a:t>Zweite Ebene</a:t>
             </a:r>
           </a:p>
           <a:p>
             <a:pPr lvl="2"/>
             <a:r>
-              <a:rPr lang="de-DE" smtClean="0"/>
+              <a:rPr lang="de-DE"/>
               <a:t>Dritte Ebene</a:t>
             </a:r>
           </a:p>
           <a:p>
             <a:pPr lvl="3"/>
             <a:r>
-              <a:rPr lang="de-DE" smtClean="0"/>
+              <a:rPr lang="de-DE"/>
               <a:t>Vierte Ebene</a:t>
             </a:r>
           </a:p>
           <a:p>
             <a:pPr lvl="4"/>
             <a:r>
-              <a:rPr lang="de-DE" smtClean="0"/>
+              <a:rPr lang="de-DE"/>
               <a:t>Fünfte Ebene</a:t>
             </a:r>
             <a:endParaRPr lang="en-US" dirty="0"/>
@@ -4680,7 +4752,7 @@
           </a:lstStyle>
           <a:p>
             <a:r>
-              <a:rPr lang="de-DE" smtClean="0"/>
+              <a:rPr lang="de-DE"/>
               <a:t>Titelmasterformat durch Klicken bearbeiten</a:t>
             </a:r>
             <a:endParaRPr lang="en-US" dirty="0"/>
@@ -4801,7 +4873,7 @@
           <a:p>
             <a:pPr lvl="0"/>
             <a:r>
-              <a:rPr lang="de-DE" smtClean="0"/>
+              <a:rPr lang="de-DE"/>
               <a:t>Formatvorlagen des Textmasters bearbeiten</a:t>
             </a:r>
           </a:p>
@@ -4918,7 +4990,7 @@
           <a:lstStyle/>
           <a:p>
             <a:r>
-              <a:rPr lang="de-DE" smtClean="0"/>
+              <a:rPr lang="de-DE"/>
               <a:t>Titelmasterformat durch Klicken bearbeiten</a:t>
             </a:r>
             <a:endParaRPr lang="en-US" dirty="0"/>
@@ -4977,35 +5049,35 @@
           <a:p>
             <a:pPr lvl="0"/>
             <a:r>
-              <a:rPr lang="de-DE" smtClean="0"/>
+              <a:rPr lang="de-DE"/>
               <a:t>Formatvorlagen des Textmasters bearbeiten</a:t>
             </a:r>
           </a:p>
           <a:p>
             <a:pPr lvl="1"/>
             <a:r>
-              <a:rPr lang="de-DE" smtClean="0"/>
+              <a:rPr lang="de-DE"/>
               <a:t>Zweite Ebene</a:t>
             </a:r>
           </a:p>
           <a:p>
             <a:pPr lvl="2"/>
             <a:r>
-              <a:rPr lang="de-DE" smtClean="0"/>
+              <a:rPr lang="de-DE"/>
               <a:t>Dritte Ebene</a:t>
             </a:r>
           </a:p>
           <a:p>
             <a:pPr lvl="3"/>
             <a:r>
-              <a:rPr lang="de-DE" smtClean="0"/>
+              <a:rPr lang="de-DE"/>
               <a:t>Vierte Ebene</a:t>
             </a:r>
           </a:p>
           <a:p>
             <a:pPr lvl="4"/>
             <a:r>
-              <a:rPr lang="de-DE" smtClean="0"/>
+              <a:rPr lang="de-DE"/>
               <a:t>Fünfte Ebene</a:t>
             </a:r>
             <a:endParaRPr lang="en-US" dirty="0"/>
@@ -5064,35 +5136,35 @@
           <a:p>
             <a:pPr lvl="0"/>
             <a:r>
-              <a:rPr lang="de-DE" smtClean="0"/>
+              <a:rPr lang="de-DE"/>
               <a:t>Formatvorlagen des Textmasters bearbeiten</a:t>
             </a:r>
           </a:p>
           <a:p>
             <a:pPr lvl="1"/>
             <a:r>
-              <a:rPr lang="de-DE" smtClean="0"/>
+              <a:rPr lang="de-DE"/>
               <a:t>Zweite Ebene</a:t>
             </a:r>
           </a:p>
           <a:p>
             <a:pPr lvl="2"/>
             <a:r>
-              <a:rPr lang="de-DE" smtClean="0"/>
+              <a:rPr lang="de-DE"/>
               <a:t>Dritte Ebene</a:t>
             </a:r>
           </a:p>
           <a:p>
             <a:pPr lvl="3"/>
             <a:r>
-              <a:rPr lang="de-DE" smtClean="0"/>
+              <a:rPr lang="de-DE"/>
               <a:t>Vierte Ebene</a:t>
             </a:r>
           </a:p>
           <a:p>
             <a:pPr lvl="4"/>
             <a:r>
-              <a:rPr lang="de-DE" smtClean="0"/>
+              <a:rPr lang="de-DE"/>
               <a:t>Fünfte Ebene</a:t>
             </a:r>
             <a:endParaRPr lang="en-US" dirty="0"/>
@@ -5214,7 +5286,7 @@
           </a:lstStyle>
           <a:p>
             <a:r>
-              <a:rPr lang="de-DE" smtClean="0"/>
+              <a:rPr lang="de-DE"/>
               <a:t>Titelmasterformat durch Klicken bearbeiten</a:t>
             </a:r>
             <a:endParaRPr lang="en-US" dirty="0"/>
@@ -5289,7 +5361,7 @@
           <a:p>
             <a:pPr lvl="0"/>
             <a:r>
-              <a:rPr lang="de-DE" smtClean="0"/>
+              <a:rPr lang="de-DE"/>
               <a:t>Formatvorlagen des Textmasters bearbeiten</a:t>
             </a:r>
           </a:p>
@@ -5347,35 +5419,35 @@
           <a:p>
             <a:pPr lvl="0"/>
             <a:r>
-              <a:rPr lang="de-DE" smtClean="0"/>
+              <a:rPr lang="de-DE"/>
               <a:t>Formatvorlagen des Textmasters bearbeiten</a:t>
             </a:r>
           </a:p>
           <a:p>
             <a:pPr lvl="1"/>
             <a:r>
-              <a:rPr lang="de-DE" smtClean="0"/>
+              <a:rPr lang="de-DE"/>
               <a:t>Zweite Ebene</a:t>
             </a:r>
           </a:p>
           <a:p>
             <a:pPr lvl="2"/>
             <a:r>
-              <a:rPr lang="de-DE" smtClean="0"/>
+              <a:rPr lang="de-DE"/>
               <a:t>Dritte Ebene</a:t>
             </a:r>
           </a:p>
           <a:p>
             <a:pPr lvl="3"/>
             <a:r>
-              <a:rPr lang="de-DE" smtClean="0"/>
+              <a:rPr lang="de-DE"/>
               <a:t>Vierte Ebene</a:t>
             </a:r>
           </a:p>
           <a:p>
             <a:pPr lvl="4"/>
             <a:r>
-              <a:rPr lang="de-DE" smtClean="0"/>
+              <a:rPr lang="de-DE"/>
               <a:t>Fünfte Ebene</a:t>
             </a:r>
             <a:endParaRPr lang="en-US" dirty="0"/>
@@ -5450,7 +5522,7 @@
           <a:p>
             <a:pPr lvl="0"/>
             <a:r>
-              <a:rPr lang="de-DE" smtClean="0"/>
+              <a:rPr lang="de-DE"/>
               <a:t>Formatvorlagen des Textmasters bearbeiten</a:t>
             </a:r>
           </a:p>
@@ -5508,35 +5580,35 @@
           <a:p>
             <a:pPr lvl="0"/>
             <a:r>
-              <a:rPr lang="de-DE" smtClean="0"/>
+              <a:rPr lang="de-DE"/>
               <a:t>Formatvorlagen des Textmasters bearbeiten</a:t>
             </a:r>
           </a:p>
           <a:p>
             <a:pPr lvl="1"/>
             <a:r>
-              <a:rPr lang="de-DE" smtClean="0"/>
+              <a:rPr lang="de-DE"/>
               <a:t>Zweite Ebene</a:t>
             </a:r>
           </a:p>
           <a:p>
             <a:pPr lvl="2"/>
             <a:r>
-              <a:rPr lang="de-DE" smtClean="0"/>
+              <a:rPr lang="de-DE"/>
               <a:t>Dritte Ebene</a:t>
             </a:r>
           </a:p>
           <a:p>
             <a:pPr lvl="3"/>
             <a:r>
-              <a:rPr lang="de-DE" smtClean="0"/>
+              <a:rPr lang="de-DE"/>
               <a:t>Vierte Ebene</a:t>
             </a:r>
           </a:p>
           <a:p>
             <a:pPr lvl="4"/>
             <a:r>
-              <a:rPr lang="de-DE" smtClean="0"/>
+              <a:rPr lang="de-DE"/>
               <a:t>Fünfte Ebene</a:t>
             </a:r>
             <a:endParaRPr lang="en-US" dirty="0"/>
@@ -5654,7 +5726,7 @@
           <a:lstStyle/>
           <a:p>
             <a:r>
-              <a:rPr lang="de-DE" smtClean="0"/>
+              <a:rPr lang="de-DE"/>
               <a:t>Titelmasterformat durch Klicken bearbeiten</a:t>
             </a:r>
             <a:endParaRPr lang="en-US" dirty="0"/>
@@ -5876,7 +5948,7 @@
           </a:lstStyle>
           <a:p>
             <a:r>
-              <a:rPr lang="de-DE" smtClean="0"/>
+              <a:rPr lang="de-DE"/>
               <a:t>Titelmasterformat durch Klicken bearbeiten</a:t>
             </a:r>
             <a:endParaRPr lang="en-US" dirty="0"/>
@@ -5935,35 +6007,35 @@
           <a:p>
             <a:pPr lvl="0"/>
             <a:r>
-              <a:rPr lang="de-DE" smtClean="0"/>
+              <a:rPr lang="de-DE"/>
               <a:t>Formatvorlagen des Textmasters bearbeiten</a:t>
             </a:r>
           </a:p>
           <a:p>
             <a:pPr lvl="1"/>
             <a:r>
-              <a:rPr lang="de-DE" smtClean="0"/>
+              <a:rPr lang="de-DE"/>
               <a:t>Zweite Ebene</a:t>
             </a:r>
           </a:p>
           <a:p>
             <a:pPr lvl="2"/>
             <a:r>
-              <a:rPr lang="de-DE" smtClean="0"/>
+              <a:rPr lang="de-DE"/>
               <a:t>Dritte Ebene</a:t>
             </a:r>
           </a:p>
           <a:p>
             <a:pPr lvl="3"/>
             <a:r>
-              <a:rPr lang="de-DE" smtClean="0"/>
+              <a:rPr lang="de-DE"/>
               <a:t>Vierte Ebene</a:t>
             </a:r>
           </a:p>
           <a:p>
             <a:pPr lvl="4"/>
             <a:r>
-              <a:rPr lang="de-DE" smtClean="0"/>
+              <a:rPr lang="de-DE"/>
               <a:t>Fünfte Ebene</a:t>
             </a:r>
             <a:endParaRPr lang="en-US" dirty="0"/>
@@ -6029,7 +6101,7 @@
           <a:p>
             <a:pPr lvl="0"/>
             <a:r>
-              <a:rPr lang="de-DE" smtClean="0"/>
+              <a:rPr lang="de-DE"/>
               <a:t>Formatvorlagen des Textmasters bearbeiten</a:t>
             </a:r>
           </a:p>
@@ -6157,7 +6229,7 @@
           </a:lstStyle>
           <a:p>
             <a:r>
-              <a:rPr lang="de-DE" smtClean="0"/>
+              <a:rPr lang="de-DE"/>
               <a:t>Titelmasterformat durch Klicken bearbeiten</a:t>
             </a:r>
             <a:endParaRPr lang="en-US" dirty="0"/>
@@ -6236,7 +6308,7 @@
           </a:lstStyle>
           <a:p>
             <a:r>
-              <a:rPr lang="de-DE" smtClean="0"/>
+              <a:rPr lang="de-DE"/>
               <a:t>Bild durch Klicken auf Symbol hinzufügen</a:t>
             </a:r>
             <a:endParaRPr lang="en-US" dirty="0"/>
@@ -6304,7 +6376,7 @@
           <a:p>
             <a:pPr lvl="0"/>
             <a:r>
-              <a:rPr lang="de-DE" smtClean="0"/>
+              <a:rPr lang="de-DE"/>
               <a:t>Formatvorlagen des Textmasters bearbeiten</a:t>
             </a:r>
           </a:p>
@@ -6645,7 +6717,7 @@
           <a:lstStyle/>
           <a:p>
             <a:r>
-              <a:rPr lang="de-DE" smtClean="0"/>
+              <a:rPr lang="de-DE"/>
               <a:t>Titelmasterformat durch Klicken bearbeiten</a:t>
             </a:r>
             <a:endParaRPr lang="en-US" dirty="0"/>
@@ -6679,35 +6751,35 @@
           <a:p>
             <a:pPr lvl="0"/>
             <a:r>
-              <a:rPr lang="de-DE" smtClean="0"/>
+              <a:rPr lang="de-DE"/>
               <a:t>Formatvorlagen des Textmasters bearbeiten</a:t>
             </a:r>
           </a:p>
           <a:p>
             <a:pPr lvl="1"/>
             <a:r>
-              <a:rPr lang="de-DE" smtClean="0"/>
+              <a:rPr lang="de-DE"/>
               <a:t>Zweite Ebene</a:t>
             </a:r>
           </a:p>
           <a:p>
             <a:pPr lvl="2"/>
             <a:r>
-              <a:rPr lang="de-DE" smtClean="0"/>
+              <a:rPr lang="de-DE"/>
               <a:t>Dritte Ebene</a:t>
             </a:r>
           </a:p>
           <a:p>
             <a:pPr lvl="3"/>
             <a:r>
-              <a:rPr lang="de-DE" smtClean="0"/>
+              <a:rPr lang="de-DE"/>
               <a:t>Vierte Ebene</a:t>
             </a:r>
           </a:p>
           <a:p>
             <a:pPr lvl="4"/>
             <a:r>
-              <a:rPr lang="de-DE" smtClean="0"/>
+              <a:rPr lang="de-DE"/>
               <a:t>Fünfte Ebene</a:t>
             </a:r>
             <a:endParaRPr lang="en-US" dirty="0"/>
@@ -7296,23 +7368,15 @@
           <a:lstStyle/>
           <a:p>
             <a:r>
-              <a:rPr lang="de-DE" sz="5300" b="1" dirty="0" smtClean="0"/>
+              <a:rPr lang="de-DE" sz="5300" b="1" dirty="0"/>
               <a:t>Interface</a:t>
             </a:r>
             <a:br>
-              <a:rPr lang="de-DE" sz="5300" b="1" dirty="0" smtClean="0"/>
+              <a:rPr lang="de-DE" sz="5300" b="1" dirty="0"/>
             </a:br>
             <a:r>
-              <a:rPr lang="de-DE" sz="5300" b="1" dirty="0" smtClean="0"/>
-              <a:t>Personen </a:t>
-            </a:r>
-            <a:r>
               <a:rPr lang="de-DE" sz="5300" b="1" dirty="0"/>
-              <a:t>mit eingeschränkter Mobilität</a:t>
-            </a:r>
-            <a:r>
-              <a:rPr lang="de-DE" dirty="0"/>
-              <a:t/>
+              <a:t>Personen mit eingeschränkter Mobilität</a:t>
             </a:r>
             <a:br>
               <a:rPr lang="de-DE" dirty="0"/>
@@ -7337,10 +7401,9 @@
           <a:lstStyle/>
           <a:p>
             <a:r>
-              <a:rPr lang="de-DE" dirty="0" smtClean="0"/>
+              <a:rPr lang="de-DE" dirty="0"/>
               <a:t>Thomas Sapelza, – 5AT TFO BX</a:t>
             </a:r>
-            <a:endParaRPr lang="de-DE" dirty="0"/>
           </a:p>
         </p:txBody>
       </p:sp>
@@ -7381,19 +7444,24 @@
             <a:spLocks noGrp="1"/>
           </p:cNvSpPr>
           <p:nvPr>
-            <p:ph type="title"/>
-          </p:nvPr>
-        </p:nvSpPr>
-        <p:spPr/>
+            <p:ph type="title" idx="4294967295"/>
+          </p:nvPr>
+        </p:nvSpPr>
+        <p:spPr>
+          <a:xfrm>
+            <a:off x="0" y="1151954"/>
+            <a:ext cx="12192000" cy="1400175"/>
+          </a:xfrm>
+        </p:spPr>
         <p:txBody>
           <a:bodyPr/>
           <a:lstStyle/>
           <a:p>
-            <a:r>
-              <a:rPr lang="de-DE" dirty="0" smtClean="0"/>
-              <a:t>Noch fragen?</a:t>
-            </a:r>
-            <a:endParaRPr lang="de-DE" dirty="0"/>
+            <a:pPr algn="ctr"/>
+            <a:r>
+              <a:rPr lang="de-DE" dirty="0"/>
+              <a:t>Danke für eure Aufmerksamkeit</a:t>
+            </a:r>
           </a:p>
         </p:txBody>
       </p:sp>
@@ -7420,7 +7488,7 @@
         </p:blipFill>
         <p:spPr bwMode="auto">
           <a:xfrm>
-            <a:off x="3301939" y="1713517"/>
+            <a:off x="3301939" y="2211865"/>
             <a:ext cx="4998316" cy="3860938"/>
           </a:xfrm>
           <a:prstGeom prst="rect">
@@ -7446,7 +7514,7 @@
         </p:nvSpPr>
         <p:spPr>
           <a:xfrm>
-            <a:off x="3301939" y="5574455"/>
+            <a:off x="3301939" y="6072803"/>
             <a:ext cx="5023264" cy="430887"/>
           </a:xfrm>
           <a:prstGeom prst="rect">
@@ -7517,75 +7585,157 @@
           <a:lstStyle/>
           <a:p>
             <a:r>
-              <a:rPr lang="de-DE" dirty="0" smtClean="0"/>
+              <a:rPr lang="de-DE" dirty="0"/>
               <a:t>Inhaltsangabe</a:t>
             </a:r>
+          </a:p>
+        </p:txBody>
+      </p:sp>
+      <p:sp>
+        <p:nvSpPr>
+          <p:cNvPr id="3" name="Inhaltsplatzhalter 2"/>
+          <p:cNvSpPr>
+            <a:spLocks noGrp="1"/>
+          </p:cNvSpPr>
+          <p:nvPr>
+            <p:ph idx="1"/>
+          </p:nvPr>
+        </p:nvSpPr>
+        <p:spPr/>
+        <p:txBody>
+          <a:bodyPr/>
+          <a:lstStyle/>
+          <a:p>
+            <a:r>
+              <a:rPr lang="de-DE" dirty="0"/>
+              <a:t>Allgemein</a:t>
+            </a:r>
+          </a:p>
+          <a:p>
+            <a:r>
+              <a:rPr lang="de-DE" dirty="0"/>
+              <a:t>Personen die mit den Händen zittern</a:t>
+            </a:r>
+          </a:p>
+          <a:p>
+            <a:r>
+              <a:rPr lang="de-DE" dirty="0"/>
+              <a:t>Personen mit gelähmten Händen</a:t>
+            </a:r>
+          </a:p>
+          <a:p>
+            <a:pPr lvl="1"/>
+            <a:r>
+              <a:rPr lang="de-DE" dirty="0"/>
+              <a:t>Tastatur Emulation</a:t>
+            </a:r>
+          </a:p>
+          <a:p>
+            <a:pPr lvl="1"/>
+            <a:r>
+              <a:rPr lang="de-DE" dirty="0"/>
+              <a:t>Maus Emulation</a:t>
+            </a:r>
+          </a:p>
+          <a:p>
+            <a:r>
+              <a:rPr lang="de-DE" dirty="0"/>
+              <a:t>Quellen</a:t>
+            </a:r>
+          </a:p>
+          <a:p>
             <a:endParaRPr lang="de-DE" dirty="0"/>
           </a:p>
         </p:txBody>
       </p:sp>
-      <p:sp>
-        <p:nvSpPr>
-          <p:cNvPr id="3" name="Inhaltsplatzhalter 2"/>
-          <p:cNvSpPr>
-            <a:spLocks noGrp="1"/>
-          </p:cNvSpPr>
-          <p:nvPr>
-            <p:ph idx="1"/>
-          </p:nvPr>
-        </p:nvSpPr>
-        <p:spPr/>
-        <p:txBody>
-          <a:bodyPr/>
-          <a:lstStyle/>
-          <a:p>
-            <a:r>
-              <a:rPr lang="de-DE" dirty="0" smtClean="0"/>
-              <a:t>Allgemein</a:t>
-            </a:r>
-          </a:p>
-          <a:p>
-            <a:r>
-              <a:rPr lang="de-DE" dirty="0"/>
-              <a:t>Personen die mit den Händen </a:t>
-            </a:r>
-            <a:r>
-              <a:rPr lang="de-DE" dirty="0" smtClean="0"/>
-              <a:t>zittern</a:t>
-            </a:r>
-          </a:p>
-          <a:p>
-            <a:r>
-              <a:rPr lang="de-DE" dirty="0" smtClean="0"/>
-              <a:t>Personen mit gelähmten Händen</a:t>
-            </a:r>
-          </a:p>
-          <a:p>
-            <a:pPr lvl="1"/>
-            <a:r>
-              <a:rPr lang="de-DE" dirty="0"/>
-              <a:t>Tastatur</a:t>
-            </a:r>
-            <a:r>
-              <a:rPr lang="de-DE" dirty="0" smtClean="0"/>
-              <a:t> Emulation</a:t>
-            </a:r>
-          </a:p>
-          <a:p>
-            <a:pPr lvl="1"/>
-            <a:r>
-              <a:rPr lang="de-DE" dirty="0" smtClean="0"/>
-              <a:t>Maus Emulation</a:t>
-            </a:r>
-          </a:p>
-          <a:p>
-            <a:r>
-              <a:rPr lang="de-DE" dirty="0" smtClean="0"/>
-              <a:t>Quellen</a:t>
-            </a:r>
-          </a:p>
-          <a:p>
-            <a:endParaRPr lang="de-DE" dirty="0"/>
+      <p:pic>
+        <p:nvPicPr>
+          <p:cNvPr id="1026" name="Picture 2" descr="http://download.seaicons.com/icons/paomedia/small-n-flat/1024/book-bookmark-icon.png">
+            <a:extLst>
+              <a:ext uri="{FF2B5EF4-FFF2-40B4-BE49-F238E27FC236}">
+                <a16:creationId xmlns:a16="http://schemas.microsoft.com/office/drawing/2014/main" id="{81C506FB-6039-415C-BBA2-7518657C3B31}"/>
+              </a:ext>
+            </a:extLst>
+          </p:cNvPr>
+          <p:cNvPicPr>
+            <a:picLocks noChangeAspect="1" noChangeArrowheads="1"/>
+          </p:cNvPicPr>
+          <p:nvPr/>
+        </p:nvPicPr>
+        <p:blipFill>
+          <a:blip r:embed="rId2">
+            <a:extLst>
+              <a:ext uri="{28A0092B-C50C-407E-A947-70E740481C1C}">
+                <a14:useLocalDpi xmlns:a14="http://schemas.microsoft.com/office/drawing/2010/main" val="0"/>
+              </a:ext>
+            </a:extLst>
+          </a:blip>
+          <a:srcRect/>
+          <a:stretch>
+            <a:fillRect/>
+          </a:stretch>
+        </p:blipFill>
+        <p:spPr bwMode="auto">
+          <a:xfrm>
+            <a:off x="6602531" y="1675055"/>
+            <a:ext cx="4632960" cy="4632960"/>
+          </a:xfrm>
+          <a:prstGeom prst="rect">
+            <a:avLst/>
+          </a:prstGeom>
+          <a:noFill/>
+          <a:extLst>
+            <a:ext uri="{909E8E84-426E-40DD-AFC4-6F175D3DCCD1}">
+              <a14:hiddenFill xmlns:a14="http://schemas.microsoft.com/office/drawing/2010/main">
+                <a:solidFill>
+                  <a:srgbClr val="FFFFFF"/>
+                </a:solidFill>
+              </a14:hiddenFill>
+            </a:ext>
+          </a:extLst>
+        </p:spPr>
+      </p:pic>
+      <p:sp>
+        <p:nvSpPr>
+          <p:cNvPr id="4" name="Textfeld 3">
+            <a:extLst>
+              <a:ext uri="{FF2B5EF4-FFF2-40B4-BE49-F238E27FC236}">
+                <a16:creationId xmlns:a16="http://schemas.microsoft.com/office/drawing/2014/main" id="{B8DF202F-175B-4B7F-A13C-4E92A4316E85}"/>
+              </a:ext>
+            </a:extLst>
+          </p:cNvPr>
+          <p:cNvSpPr txBox="1"/>
+          <p:nvPr/>
+        </p:nvSpPr>
+        <p:spPr>
+          <a:xfrm>
+            <a:off x="5708838" y="6367631"/>
+            <a:ext cx="6420347" cy="246221"/>
+          </a:xfrm>
+          <a:prstGeom prst="rect">
+            <a:avLst/>
+          </a:prstGeom>
+          <a:noFill/>
+        </p:spPr>
+        <p:txBody>
+          <a:bodyPr wrap="none" rtlCol="0">
+            <a:spAutoFit/>
+          </a:bodyPr>
+          <a:lstStyle/>
+          <a:p>
+            <a:r>
+              <a:rPr lang="de-DE" sz="1000" dirty="0">
+                <a:solidFill>
+                  <a:srgbClr val="92D050"/>
+                </a:solidFill>
+              </a:rPr>
+              <a:t>Quelle: http://download.seaicons.com/icons/paomedia/small-n-flat/1024/book-bookmark-icon.png</a:t>
+            </a:r>
+            <a:endParaRPr lang="de-DE" sz="1400" dirty="0">
+              <a:solidFill>
+                <a:srgbClr val="92D050"/>
+              </a:solidFill>
+            </a:endParaRPr>
           </a:p>
         </p:txBody>
       </p:sp>
@@ -7635,10 +7785,9 @@
           <a:lstStyle/>
           <a:p>
             <a:r>
-              <a:rPr lang="de-DE" dirty="0" smtClean="0"/>
+              <a:rPr lang="de-DE" dirty="0"/>
               <a:t>Allgemein</a:t>
             </a:r>
-            <a:endParaRPr lang="de-DE" dirty="0"/>
           </a:p>
         </p:txBody>
       </p:sp>
@@ -7764,10 +7913,9 @@
           <a:lstStyle/>
           <a:p>
             <a:r>
-              <a:rPr lang="de-DE" dirty="0" smtClean="0"/>
+              <a:rPr lang="de-DE" dirty="0"/>
               <a:t>Personen die mit den Händen zittern</a:t>
             </a:r>
-            <a:endParaRPr lang="de-DE" dirty="0"/>
           </a:p>
         </p:txBody>
       </p:sp>
@@ -7787,24 +7935,23 @@
           <a:lstStyle/>
           <a:p>
             <a:r>
-              <a:rPr lang="de-DE" dirty="0" smtClean="0"/>
+              <a:rPr lang="de-DE" dirty="0"/>
               <a:t>Operationen ohne Maus</a:t>
             </a:r>
           </a:p>
           <a:p>
             <a:pPr lvl="1"/>
             <a:r>
-              <a:rPr lang="de-DE" dirty="0" smtClean="0"/>
+              <a:rPr lang="de-DE" dirty="0"/>
               <a:t>Tastenkombinationen</a:t>
             </a:r>
           </a:p>
           <a:p>
             <a:pPr lvl="1"/>
             <a:r>
-              <a:rPr lang="de-DE" dirty="0" smtClean="0"/>
+              <a:rPr lang="de-DE" dirty="0"/>
               <a:t>Wiederholungen</a:t>
             </a:r>
-            <a:endParaRPr lang="de-DE" dirty="0"/>
           </a:p>
         </p:txBody>
       </p:sp>
@@ -7958,7 +8105,7 @@
           <a:lstStyle/>
           <a:p>
             <a:r>
-              <a:rPr lang="de-DE" dirty="0" smtClean="0">
+              <a:rPr lang="de-DE" dirty="0">
                 <a:solidFill>
                   <a:srgbClr val="92D050"/>
                 </a:solidFill>
@@ -7966,7 +8113,7 @@
               <a:t>Quelle: Linus Tech </a:t>
             </a:r>
             <a:r>
-              <a:rPr lang="de-DE" dirty="0" err="1" smtClean="0">
+              <a:rPr lang="de-DE" dirty="0" err="1">
                 <a:solidFill>
                   <a:srgbClr val="92D050"/>
                 </a:solidFill>
@@ -7974,20 +8121,12 @@
               <a:t>Tips</a:t>
             </a:r>
             <a:r>
-              <a:rPr lang="de-DE" dirty="0" smtClean="0">
-                <a:solidFill>
-                  <a:srgbClr val="92D050"/>
-                </a:solidFill>
-              </a:rPr>
-              <a:t> - </a:t>
-            </a:r>
-            <a:r>
               <a:rPr lang="de-DE" dirty="0">
                 <a:solidFill>
                   <a:srgbClr val="92D050"/>
                 </a:solidFill>
               </a:rPr>
-              <a:t>https://youtu.be/LnxSTShwDdQ</a:t>
+              <a:t> - https://youtu.be/LnxSTShwDdQ</a:t>
             </a:r>
           </a:p>
         </p:txBody>
@@ -8064,14 +8203,14 @@
           <a:lstStyle/>
           <a:p>
             <a:r>
-              <a:rPr lang="de-DE" dirty="0" smtClean="0"/>
+              <a:rPr lang="de-DE" dirty="0"/>
               <a:t>Maus und Tastatur emulieren</a:t>
             </a:r>
           </a:p>
           <a:p>
             <a:pPr lvl="1"/>
             <a:r>
-              <a:rPr lang="de-DE" dirty="0" smtClean="0"/>
+              <a:rPr lang="de-DE" dirty="0"/>
               <a:t>Medium – Instruktionen erkennen</a:t>
             </a:r>
           </a:p>
@@ -8252,10 +8391,9 @@
           <a:lstStyle/>
           <a:p>
             <a:r>
-              <a:rPr lang="de-DE" dirty="0" smtClean="0"/>
+              <a:rPr lang="de-DE" dirty="0"/>
               <a:t>Tastatur Emulation</a:t>
             </a:r>
-            <a:endParaRPr lang="de-DE" dirty="0"/>
           </a:p>
         </p:txBody>
       </p:sp>
@@ -8275,10 +8413,9 @@
           <a:lstStyle/>
           <a:p>
             <a:r>
-              <a:rPr lang="de-DE" dirty="0" smtClean="0"/>
+              <a:rPr lang="de-DE" dirty="0"/>
               <a:t>Virtuelle Tastatur</a:t>
             </a:r>
-            <a:endParaRPr lang="de-DE" dirty="0"/>
           </a:p>
         </p:txBody>
       </p:sp>
@@ -8402,10 +8539,9 @@
           <a:lstStyle/>
           <a:p>
             <a:r>
-              <a:rPr lang="de-DE" dirty="0" smtClean="0"/>
+              <a:rPr lang="de-DE" dirty="0"/>
               <a:t>Maus Emulation</a:t>
             </a:r>
-            <a:endParaRPr lang="de-DE" dirty="0"/>
           </a:p>
         </p:txBody>
       </p:sp>
@@ -8425,10 +8561,9 @@
           <a:lstStyle/>
           <a:p>
             <a:r>
-              <a:rPr lang="de-DE" dirty="0" smtClean="0"/>
+              <a:rPr lang="de-DE" dirty="0"/>
               <a:t>Genau wie Tastaturemulation</a:t>
             </a:r>
-            <a:endParaRPr lang="de-DE" dirty="0"/>
           </a:p>
         </p:txBody>
       </p:sp>
@@ -8585,10 +8720,9 @@
           <a:lstStyle/>
           <a:p>
             <a:r>
-              <a:rPr lang="de-DE" dirty="0" smtClean="0"/>
+              <a:rPr lang="de-DE" dirty="0"/>
               <a:t>Quellen</a:t>
             </a:r>
-            <a:endParaRPr lang="de-DE" dirty="0"/>
           </a:p>
         </p:txBody>
       </p:sp>
@@ -8612,14 +8746,10 @@
             </a:pPr>
             <a:r>
               <a:rPr lang="de-DE" b="1" cap="all" dirty="0"/>
-              <a:t>PROGETTAZIONE - TECNOLOGIE IN </a:t>
-            </a:r>
-            <a:r>
-              <a:rPr lang="de-DE" b="1" cap="all" dirty="0" smtClean="0"/>
-              <a:t>MOVIMENTO</a:t>
-            </a:r>
-            <a:r>
-              <a:rPr lang="de-DE" dirty="0" smtClean="0"/>
+              <a:t>PROGETTAZIONE - TECNOLOGIE IN MOVIMENTO</a:t>
+            </a:r>
+            <a:r>
+              <a:rPr lang="de-DE" dirty="0"/>
               <a:t> (</a:t>
             </a:r>
             <a:r>
@@ -8627,7 +8757,7 @@
               <a:t>5° anno</a:t>
             </a:r>
             <a:r>
-              <a:rPr lang="de-DE" dirty="0" smtClean="0"/>
+              <a:rPr lang="de-DE" dirty="0"/>
               <a:t>)</a:t>
             </a:r>
           </a:p>
@@ -8639,7 +8769,7 @@
               <a:rPr lang="de-DE" sz="1600" cap="all" dirty="0"/>
               <a:t>ISBN 9788874853946</a:t>
             </a:r>
-            <a:endParaRPr lang="de-DE" sz="1600" dirty="0" smtClean="0"/>
+            <a:endParaRPr lang="de-DE" sz="1600" dirty="0"/>
           </a:p>
           <a:p>
             <a:pPr lvl="1"/>
